--- a/unity制作po-.pptx
+++ b/unity制作po-.pptx
@@ -116,6 +116,9 @@
         </p14:section>
       </p14:sectionLst>
     </p:ext>
+    <p:ext uri="{EFAFB233-063F-42B5-8137-9DF3F51BA10A}">
+      <p15:sldGuideLst xmlns:p15="http://schemas.microsoft.com/office/powerpoint/2012/main"/>
+    </p:ext>
   </p:extLst>
 </p:presentation>
 </file>
@@ -251,7 +254,7 @@
           <a:p>
             <a:fld id="{3FB19E81-D444-40AD-8E5C-14F0563E913F}" type="datetimeFigureOut">
               <a:rPr kumimoji="1" lang="ja-JP" altLang="en-US" smtClean="0"/>
-              <a:t>2019/5/16</a:t>
+              <a:t>2020/4/29</a:t>
             </a:fld>
             <a:endParaRPr kumimoji="1" lang="ja-JP" altLang="en-US"/>
           </a:p>
@@ -453,7 +456,7 @@
           <a:p>
             <a:fld id="{3FB19E81-D444-40AD-8E5C-14F0563E913F}" type="datetimeFigureOut">
               <a:rPr kumimoji="1" lang="ja-JP" altLang="en-US" smtClean="0"/>
-              <a:t>2019/5/16</a:t>
+              <a:t>2020/4/29</a:t>
             </a:fld>
             <a:endParaRPr kumimoji="1" lang="ja-JP" altLang="en-US"/>
           </a:p>
@@ -665,7 +668,7 @@
           <a:p>
             <a:fld id="{3FB19E81-D444-40AD-8E5C-14F0563E913F}" type="datetimeFigureOut">
               <a:rPr kumimoji="1" lang="ja-JP" altLang="en-US" smtClean="0"/>
-              <a:t>2019/5/16</a:t>
+              <a:t>2020/4/29</a:t>
             </a:fld>
             <a:endParaRPr kumimoji="1" lang="ja-JP" altLang="en-US"/>
           </a:p>
@@ -867,7 +870,7 @@
           <a:p>
             <a:fld id="{3FB19E81-D444-40AD-8E5C-14F0563E913F}" type="datetimeFigureOut">
               <a:rPr kumimoji="1" lang="ja-JP" altLang="en-US" smtClean="0"/>
-              <a:t>2019/5/16</a:t>
+              <a:t>2020/4/29</a:t>
             </a:fld>
             <a:endParaRPr kumimoji="1" lang="ja-JP" altLang="en-US"/>
           </a:p>
@@ -1113,7 +1116,7 @@
           <a:p>
             <a:fld id="{3FB19E81-D444-40AD-8E5C-14F0563E913F}" type="datetimeFigureOut">
               <a:rPr kumimoji="1" lang="ja-JP" altLang="en-US" smtClean="0"/>
-              <a:t>2019/5/16</a:t>
+              <a:t>2020/4/29</a:t>
             </a:fld>
             <a:endParaRPr kumimoji="1" lang="ja-JP" altLang="en-US"/>
           </a:p>
@@ -1409,7 +1412,7 @@
           <a:p>
             <a:fld id="{3FB19E81-D444-40AD-8E5C-14F0563E913F}" type="datetimeFigureOut">
               <a:rPr kumimoji="1" lang="ja-JP" altLang="en-US" smtClean="0"/>
-              <a:t>2019/5/16</a:t>
+              <a:t>2020/4/29</a:t>
             </a:fld>
             <a:endParaRPr kumimoji="1" lang="ja-JP" altLang="en-US"/>
           </a:p>
@@ -1840,7 +1843,7 @@
           <a:p>
             <a:fld id="{3FB19E81-D444-40AD-8E5C-14F0563E913F}" type="datetimeFigureOut">
               <a:rPr kumimoji="1" lang="ja-JP" altLang="en-US" smtClean="0"/>
-              <a:t>2019/5/16</a:t>
+              <a:t>2020/4/29</a:t>
             </a:fld>
             <a:endParaRPr kumimoji="1" lang="ja-JP" altLang="en-US"/>
           </a:p>
@@ -1958,7 +1961,7 @@
           <a:p>
             <a:fld id="{3FB19E81-D444-40AD-8E5C-14F0563E913F}" type="datetimeFigureOut">
               <a:rPr kumimoji="1" lang="ja-JP" altLang="en-US" smtClean="0"/>
-              <a:t>2019/5/16</a:t>
+              <a:t>2020/4/29</a:t>
             </a:fld>
             <a:endParaRPr kumimoji="1" lang="ja-JP" altLang="en-US"/>
           </a:p>
@@ -2053,7 +2056,7 @@
           <a:p>
             <a:fld id="{3FB19E81-D444-40AD-8E5C-14F0563E913F}" type="datetimeFigureOut">
               <a:rPr kumimoji="1" lang="ja-JP" altLang="en-US" smtClean="0"/>
-              <a:t>2019/5/16</a:t>
+              <a:t>2020/4/29</a:t>
             </a:fld>
             <a:endParaRPr kumimoji="1" lang="ja-JP" altLang="en-US"/>
           </a:p>
@@ -2362,7 +2365,7 @@
           <a:p>
             <a:fld id="{3FB19E81-D444-40AD-8E5C-14F0563E913F}" type="datetimeFigureOut">
               <a:rPr kumimoji="1" lang="ja-JP" altLang="en-US" smtClean="0"/>
-              <a:t>2019/5/16</a:t>
+              <a:t>2020/4/29</a:t>
             </a:fld>
             <a:endParaRPr kumimoji="1" lang="ja-JP" altLang="en-US"/>
           </a:p>
@@ -2615,7 +2618,7 @@
           <a:p>
             <a:fld id="{3FB19E81-D444-40AD-8E5C-14F0563E913F}" type="datetimeFigureOut">
               <a:rPr kumimoji="1" lang="ja-JP" altLang="en-US" smtClean="0"/>
-              <a:t>2019/5/16</a:t>
+              <a:t>2020/4/29</a:t>
             </a:fld>
             <a:endParaRPr kumimoji="1" lang="ja-JP" altLang="en-US"/>
           </a:p>
@@ -2860,7 +2863,7 @@
           <a:p>
             <a:fld id="{3FB19E81-D444-40AD-8E5C-14F0563E913F}" type="datetimeFigureOut">
               <a:rPr kumimoji="1" lang="ja-JP" altLang="en-US" smtClean="0"/>
-              <a:t>2019/5/16</a:t>
+              <a:t>2020/4/29</a:t>
             </a:fld>
             <a:endParaRPr kumimoji="1" lang="ja-JP" altLang="en-US"/>
           </a:p>
@@ -3334,7 +3337,7 @@
             </a:r>
             <a:r>
               <a:rPr lang="en-US" altLang="ja-JP" dirty="0" smtClean="0"/>
-              <a:t> </a:t>
+              <a:t>	 </a:t>
             </a:r>
             <a:r>
               <a:rPr kumimoji="1" lang="en-US" altLang="ja-JP" dirty="0" smtClean="0"/>
@@ -3498,7 +3501,9 @@
         </p:nvSpPr>
         <p:spPr/>
         <p:txBody>
-          <a:bodyPr/>
+          <a:bodyPr>
+            <a:normAutofit lnSpcReduction="10000"/>
+          </a:bodyPr>
           <a:lstStyle/>
           <a:p>
             <a:pPr marL="0" indent="0">
@@ -3506,15 +3511,7 @@
             </a:pPr>
             <a:r>
               <a:rPr kumimoji="1" lang="ja-JP" altLang="en-US" dirty="0" smtClean="0"/>
-              <a:t>　ステージ上にいる敵を一定数、倒して</a:t>
-            </a:r>
-            <a:r>
-              <a:rPr kumimoji="1" lang="ja-JP" altLang="en-US" smtClean="0"/>
-              <a:t>先に進みコインを何枚か集める</a:t>
-            </a:r>
-            <a:r>
-              <a:rPr kumimoji="1" lang="ja-JP" altLang="en-US" dirty="0" smtClean="0"/>
-              <a:t>とゴールの道が開きます。ブロックをさわるとコインが出てくることもあります。敵に近づくと襲ってきます。</a:t>
+              <a:t>　ステージ上にいる敵を一定数、倒して先に進みコインを何枚か集めるとゴールの道が開きます。ブロックをさわるとコインが出てくることもあります。敵に近づくと襲ってきます。</a:t>
             </a:r>
             <a:r>
               <a:rPr kumimoji="1" lang="en-US" altLang="ja-JP" dirty="0" smtClean="0"/>
@@ -3522,8 +3519,86 @@
             </a:r>
             <a:r>
               <a:rPr kumimoji="1" lang="ja-JP" altLang="en-US" dirty="0" smtClean="0"/>
-              <a:t>が０になるとゲームオーバーです。ステージ上から落下してもゲームオーバーです。ジャンプで敵を踏むと倒せます。ゴールの旗をさわればゲームクリアです。</a:t>
-            </a:r>
+              <a:t>が０になるとゲームオーバーです。ステージ上から落下してもゲームオーバーです。ジャンプで敵を踏むと倒せます。ゴールの旗をさわればゲームクリアです</a:t>
+            </a:r>
+            <a:r>
+              <a:rPr kumimoji="1" lang="ja-JP" altLang="en-US" dirty="0" smtClean="0"/>
+              <a:t>。</a:t>
+            </a:r>
+            <a:endParaRPr kumimoji="1" lang="en-US" altLang="ja-JP" dirty="0" smtClean="0"/>
+          </a:p>
+          <a:p>
+            <a:pPr marL="0" indent="0">
+              <a:buNone/>
+            </a:pPr>
+            <a:endParaRPr lang="en-US" altLang="ja-JP" dirty="0"/>
+          </a:p>
+          <a:p>
+            <a:pPr marL="0" indent="0">
+              <a:buNone/>
+            </a:pPr>
+            <a:r>
+              <a:rPr kumimoji="1" lang="ja-JP" altLang="en-US" dirty="0" smtClean="0"/>
+              <a:t>補足　</a:t>
+            </a:r>
+            <a:r>
+              <a:rPr lang="en-US" altLang="ja-JP" dirty="0"/>
+              <a:t> </a:t>
+            </a:r>
+            <a:r>
+              <a:rPr lang="en-US" altLang="ja-JP" dirty="0" err="1" smtClean="0"/>
+              <a:t>visualStudio</a:t>
+            </a:r>
+            <a:r>
+              <a:rPr lang="ja-JP" altLang="en-US" dirty="0" smtClean="0"/>
+              <a:t>２０１９</a:t>
+            </a:r>
+            <a:endParaRPr lang="en-US" altLang="ja-JP" dirty="0" smtClean="0"/>
+          </a:p>
+          <a:p>
+            <a:pPr marL="0" indent="0">
+              <a:buNone/>
+            </a:pPr>
+            <a:r>
+              <a:rPr kumimoji="1" lang="ja-JP" altLang="en-US" dirty="0" smtClean="0"/>
+              <a:t>　　　</a:t>
+            </a:r>
+            <a:r>
+              <a:rPr kumimoji="1" lang="en-US" altLang="ja-JP" dirty="0" smtClean="0"/>
+              <a:t>Windows</a:t>
+            </a:r>
+            <a:r>
+              <a:rPr kumimoji="1" lang="ja-JP" altLang="en-US" dirty="0" smtClean="0"/>
+              <a:t>　</a:t>
+            </a:r>
+            <a:r>
+              <a:rPr kumimoji="1" lang="en-US" altLang="ja-JP" dirty="0" smtClean="0"/>
+              <a:t>SDK</a:t>
+            </a:r>
+            <a:r>
+              <a:rPr kumimoji="1" lang="ja-JP" altLang="en-US" dirty="0" smtClean="0"/>
+              <a:t>　バージョン　１０．０で</a:t>
+            </a:r>
+            <a:endParaRPr kumimoji="1" lang="en-US" altLang="ja-JP" dirty="0" smtClean="0"/>
+          </a:p>
+          <a:p>
+            <a:pPr marL="0" indent="0">
+              <a:buNone/>
+            </a:pPr>
+            <a:r>
+              <a:rPr lang="ja-JP" altLang="en-US" dirty="0"/>
+              <a:t>　</a:t>
+            </a:r>
+            <a:r>
+              <a:rPr lang="ja-JP" altLang="en-US" dirty="0" smtClean="0"/>
+              <a:t>　　ビルドできました。</a:t>
+            </a:r>
+            <a:endParaRPr kumimoji="1" lang="en-US" altLang="ja-JP" dirty="0" smtClean="0"/>
+          </a:p>
+          <a:p>
+            <a:pPr marL="0" indent="0">
+              <a:buNone/>
+            </a:pPr>
             <a:endParaRPr kumimoji="1" lang="ja-JP" altLang="en-US" dirty="0"/>
           </a:p>
         </p:txBody>
